--- a/Slides/Slide_16_abril_2011.pptx
+++ b/Slides/Slide_16_abril_2011.pptx
@@ -6203,10 +6203,38 @@
                 </a:solidFill>
                 <a:latin typeface="+mn-lt"/>
               </a:rPr>
-              <a:t>cadastrar </a:t>
-            </a:r>
-            <a:r>
-              <a:rPr lang="pt-BR" sz="2400" b="1" dirty="0" smtClean="0">
+              <a:t>cadastrar as coleções de fanerógamas, criptógamos, fungos, fósseis, insetos e vertebrados mantidos pelos pesquisadores da UEG.</a:t>
+            </a:r>
+            <a:endParaRPr lang="pt-BR" sz="2400" b="1" dirty="0">
+              <a:ln w="900" cmpd="sng">
+                <a:solidFill>
+                  <a:schemeClr val="tx1">
+                    <a:lumMod val="50000"/>
+                    <a:lumOff val="50000"/>
+                  </a:schemeClr>
+                </a:solidFill>
+                <a:prstDash val="solid"/>
+              </a:ln>
+              <a:solidFill>
+                <a:schemeClr val="bg1">
+                  <a:lumMod val="75000"/>
+                </a:schemeClr>
+              </a:solidFill>
+              <a:latin typeface="+mn-lt"/>
+            </a:endParaRPr>
+          </a:p>
+          <a:p>
+            <a:pPr algn="just" fontAlgn="auto">
+              <a:spcBef>
+                <a:spcPts val="0"/>
+              </a:spcBef>
+              <a:spcAft>
+                <a:spcPts val="0"/>
+              </a:spcAft>
+              <a:defRPr/>
+            </a:pPr>
+            <a:r>
+              <a:rPr lang="pt-BR" sz="2400" b="1" dirty="0">
                 <a:ln w="900" cmpd="sng">
                   <a:solidFill>
                     <a:schemeClr val="tx1">
@@ -6223,38 +6251,10 @@
                 </a:solidFill>
                 <a:latin typeface="+mn-lt"/>
               </a:rPr>
-              <a:t>as coleções de fanerógamas, criptógamos, fungos, fósseis, insetos e vertebrados mantidos pelos pesquisadores da UEG.</a:t>
-            </a:r>
-            <a:endParaRPr lang="pt-BR" sz="2400" b="1" dirty="0">
-              <a:ln w="900" cmpd="sng">
-                <a:solidFill>
-                  <a:schemeClr val="tx1">
-                    <a:lumMod val="50000"/>
-                    <a:lumOff val="50000"/>
-                  </a:schemeClr>
-                </a:solidFill>
-                <a:prstDash val="solid"/>
-              </a:ln>
-              <a:solidFill>
-                <a:schemeClr val="bg1">
-                  <a:lumMod val="75000"/>
-                </a:schemeClr>
-              </a:solidFill>
-              <a:latin typeface="+mn-lt"/>
-            </a:endParaRPr>
-          </a:p>
-          <a:p>
-            <a:pPr algn="just" fontAlgn="auto">
-              <a:spcBef>
-                <a:spcPts val="0"/>
-              </a:spcBef>
-              <a:spcAft>
-                <a:spcPts val="0"/>
-              </a:spcAft>
-              <a:defRPr/>
-            </a:pPr>
-            <a:r>
-              <a:rPr lang="pt-BR" sz="2400" b="1" dirty="0">
+              <a:t>	</a:t>
+            </a:r>
+            <a:r>
+              <a:rPr lang="pt-BR" sz="2400" b="1" dirty="0" smtClean="0">
                 <a:ln w="900" cmpd="sng">
                   <a:solidFill>
                     <a:schemeClr val="tx1">
@@ -6271,47 +6271,7 @@
                 </a:solidFill>
                 <a:latin typeface="+mn-lt"/>
               </a:rPr>
-              <a:t>	</a:t>
-            </a:r>
-            <a:r>
-              <a:rPr lang="pt-BR" sz="2400" b="1" dirty="0" smtClean="0">
-                <a:ln w="900" cmpd="sng">
-                  <a:solidFill>
-                    <a:schemeClr val="tx1">
-                      <a:lumMod val="50000"/>
-                      <a:lumOff val="50000"/>
-                    </a:schemeClr>
-                  </a:solidFill>
-                  <a:prstDash val="solid"/>
-                </a:ln>
-                <a:solidFill>
-                  <a:schemeClr val="bg1">
-                    <a:lumMod val="75000"/>
-                  </a:schemeClr>
-                </a:solidFill>
-                <a:latin typeface="+mn-lt"/>
-              </a:rPr>
-              <a:t>Generalizar o processo de cadastro nos diversos tipos de banco de dados utilizados no herbário e nos laboratórios de Biologia</a:t>
-            </a:r>
-            <a:r>
-              <a:rPr lang="pt-BR" sz="2400" b="1" dirty="0" smtClean="0">
-                <a:ln w="900" cmpd="sng">
-                  <a:solidFill>
-                    <a:schemeClr val="tx1">
-                      <a:lumMod val="50000"/>
-                      <a:lumOff val="50000"/>
-                    </a:schemeClr>
-                  </a:solidFill>
-                  <a:prstDash val="solid"/>
-                </a:ln>
-                <a:solidFill>
-                  <a:schemeClr val="bg1">
-                    <a:lumMod val="75000"/>
-                  </a:schemeClr>
-                </a:solidFill>
-                <a:latin typeface="+mn-lt"/>
-              </a:rPr>
-              <a:t>.</a:t>
+              <a:t>Generalizar o processo de cadastro nos diversos tipos de banco de dados utilizados no herbário e nos laboratórios de Biologia.</a:t>
             </a:r>
             <a:endParaRPr lang="pt-BR" sz="2400" dirty="0">
               <a:ln w="900" cmpd="sng">
@@ -10101,49 +10061,7 @@
                 <a:latin typeface="+mn-lt"/>
                 <a:sym typeface="Wingdings" pitchFamily="2" charset="2"/>
               </a:rPr>
-              <a:t>Controle </a:t>
-            </a:r>
-            <a:r>
-              <a:rPr lang="pt-BR" sz="2400" b="1" dirty="0" smtClean="0">
-                <a:ln w="900" cmpd="sng">
-                  <a:solidFill>
-                    <a:schemeClr val="tx1">
-                      <a:lumMod val="50000"/>
-                      <a:lumOff val="50000"/>
-                    </a:schemeClr>
-                  </a:solidFill>
-                  <a:prstDash val="solid"/>
-                </a:ln>
-                <a:solidFill>
-                  <a:schemeClr val="bg1">
-                    <a:lumMod val="75000"/>
-                  </a:schemeClr>
-                </a:solidFill>
-                <a:latin typeface="+mn-lt"/>
-                <a:sym typeface="Wingdings" pitchFamily="2" charset="2"/>
-              </a:rPr>
-              <a:t>de doações e empréstimos de exsicatas</a:t>
-            </a:r>
-            <a:r>
-              <a:rPr lang="pt-BR" sz="2400" b="1" dirty="0" smtClean="0">
-                <a:ln w="900" cmpd="sng">
-                  <a:solidFill>
-                    <a:schemeClr val="tx1">
-                      <a:lumMod val="50000"/>
-                      <a:lumOff val="50000"/>
-                    </a:schemeClr>
-                  </a:solidFill>
-                  <a:prstDash val="solid"/>
-                </a:ln>
-                <a:solidFill>
-                  <a:schemeClr val="bg1">
-                    <a:lumMod val="75000"/>
-                  </a:schemeClr>
-                </a:solidFill>
-                <a:latin typeface="+mn-lt"/>
-                <a:sym typeface="Wingdings" pitchFamily="2" charset="2"/>
-              </a:rPr>
-              <a:t>.</a:t>
+              <a:t>Controle de doações e empréstimos de exsicatas.</a:t>
             </a:r>
           </a:p>
           <a:p>
@@ -10216,24 +10134,6 @@
               </a:rPr>
               <a:t>Relatórios.</a:t>
             </a:r>
-            <a:endParaRPr lang="pt-BR" sz="2400" b="1" dirty="0" smtClean="0">
-              <a:ln w="900" cmpd="sng">
-                <a:solidFill>
-                  <a:schemeClr val="tx1">
-                    <a:lumMod val="50000"/>
-                    <a:lumOff val="50000"/>
-                  </a:schemeClr>
-                </a:solidFill>
-                <a:prstDash val="solid"/>
-              </a:ln>
-              <a:solidFill>
-                <a:schemeClr val="bg1">
-                  <a:lumMod val="75000"/>
-                </a:schemeClr>
-              </a:solidFill>
-              <a:latin typeface="+mn-lt"/>
-              <a:sym typeface="Wingdings" pitchFamily="2" charset="2"/>
-            </a:endParaRPr>
           </a:p>
         </p:txBody>
       </p:sp>
@@ -10845,10 +10745,10 @@
                 </a:solidFill>
                 <a:latin typeface="+mn-lt"/>
               </a:rPr>
-              <a:t>Taxonomia é uma área da Biologia que </a:t>
-            </a:r>
-            <a:r>
-              <a:rPr lang="pt-BR" sz="2800" b="1" dirty="0" smtClean="0">
+              <a:t>Taxonomia é uma área da Biologia que categoriza os seres vivos através de critérios preestabelecidos, isto é, usa-se </a:t>
+            </a:r>
+            <a:r>
+              <a:rPr lang="pt-BR" sz="2800" b="1" i="1" dirty="0" smtClean="0">
                 <a:ln w="900" cmpd="sng">
                   <a:solidFill>
                     <a:schemeClr val="tx1">
@@ -10865,7 +10765,7 @@
                 </a:solidFill>
                 <a:latin typeface="+mn-lt"/>
               </a:rPr>
-              <a:t>categoriza os </a:t>
+              <a:t>regras de classificação</a:t>
             </a:r>
             <a:r>
               <a:rPr lang="pt-BR" sz="2800" b="1" dirty="0" smtClean="0">
@@ -10885,127 +10785,7 @@
                 </a:solidFill>
                 <a:latin typeface="+mn-lt"/>
               </a:rPr>
-              <a:t>seres </a:t>
-            </a:r>
-            <a:r>
-              <a:rPr lang="pt-BR" sz="2800" b="1" dirty="0" smtClean="0">
-                <a:ln w="900" cmpd="sng">
-                  <a:solidFill>
-                    <a:schemeClr val="tx1">
-                      <a:lumMod val="50000"/>
-                      <a:lumOff val="50000"/>
-                    </a:schemeClr>
-                  </a:solidFill>
-                  <a:prstDash val="solid"/>
-                </a:ln>
-                <a:solidFill>
-                  <a:schemeClr val="bg1">
-                    <a:lumMod val="75000"/>
-                  </a:schemeClr>
-                </a:solidFill>
-                <a:latin typeface="+mn-lt"/>
-              </a:rPr>
-              <a:t>vivos </a:t>
-            </a:r>
-            <a:r>
-              <a:rPr lang="pt-BR" sz="2800" b="1" dirty="0" smtClean="0">
-                <a:ln w="900" cmpd="sng">
-                  <a:solidFill>
-                    <a:schemeClr val="tx1">
-                      <a:lumMod val="50000"/>
-                      <a:lumOff val="50000"/>
-                    </a:schemeClr>
-                  </a:solidFill>
-                  <a:prstDash val="solid"/>
-                </a:ln>
-                <a:solidFill>
-                  <a:schemeClr val="bg1">
-                    <a:lumMod val="75000"/>
-                  </a:schemeClr>
-                </a:solidFill>
-                <a:latin typeface="+mn-lt"/>
-              </a:rPr>
-              <a:t>através de critérios preestabelecidos, isto é, usa-se </a:t>
-            </a:r>
-            <a:r>
-              <a:rPr lang="pt-BR" sz="2800" b="1" i="1" dirty="0" smtClean="0">
-                <a:ln w="900" cmpd="sng">
-                  <a:solidFill>
-                    <a:schemeClr val="tx1">
-                      <a:lumMod val="50000"/>
-                      <a:lumOff val="50000"/>
-                    </a:schemeClr>
-                  </a:solidFill>
-                  <a:prstDash val="solid"/>
-                </a:ln>
-                <a:solidFill>
-                  <a:schemeClr val="bg1">
-                    <a:lumMod val="75000"/>
-                  </a:schemeClr>
-                </a:solidFill>
-                <a:latin typeface="+mn-lt"/>
-              </a:rPr>
-              <a:t>regras de classificação</a:t>
-            </a:r>
-            <a:r>
-              <a:rPr lang="pt-BR" sz="2800" b="1" dirty="0" smtClean="0">
-                <a:ln w="900" cmpd="sng">
-                  <a:solidFill>
-                    <a:schemeClr val="tx1">
-                      <a:lumMod val="50000"/>
-                      <a:lumOff val="50000"/>
-                    </a:schemeClr>
-                  </a:solidFill>
-                  <a:prstDash val="solid"/>
-                </a:ln>
-                <a:solidFill>
-                  <a:schemeClr val="bg1">
-                    <a:lumMod val="75000"/>
-                  </a:schemeClr>
-                </a:solidFill>
-                <a:latin typeface="+mn-lt"/>
-              </a:rPr>
-              <a:t> de acordo com a necessidade e com o </a:t>
-            </a:r>
-            <a:r>
-              <a:rPr lang="pt-BR" sz="2800" b="1" dirty="0" smtClean="0">
-                <a:ln w="900" cmpd="sng">
-                  <a:solidFill>
-                    <a:schemeClr val="tx1">
-                      <a:lumMod val="50000"/>
-                      <a:lumOff val="50000"/>
-                    </a:schemeClr>
-                  </a:solidFill>
-                  <a:prstDash val="solid"/>
-                </a:ln>
-                <a:solidFill>
-                  <a:schemeClr val="bg1">
-                    <a:lumMod val="75000"/>
-                  </a:schemeClr>
-                </a:solidFill>
-                <a:latin typeface="+mn-lt"/>
-              </a:rPr>
-              <a:t>sistema </a:t>
-            </a:r>
-            <a:r>
-              <a:rPr lang="pt-BR" sz="2800" b="1" dirty="0" smtClean="0">
-                <a:ln w="900" cmpd="sng">
-                  <a:solidFill>
-                    <a:schemeClr val="tx1">
-                      <a:lumMod val="50000"/>
-                      <a:lumOff val="50000"/>
-                    </a:schemeClr>
-                  </a:solidFill>
-                  <a:prstDash val="solid"/>
-                </a:ln>
-                <a:solidFill>
-                  <a:schemeClr val="bg1">
-                    <a:lumMod val="75000"/>
-                  </a:schemeClr>
-                </a:solidFill>
-                <a:latin typeface="+mn-lt"/>
-              </a:rPr>
-              <a:t>adotado.</a:t>
+              <a:t> de acordo com a necessidade e com o sistema adotado.</a:t>
             </a:r>
           </a:p>
         </p:txBody>
@@ -11752,6 +11532,7 @@
                 </a:srgbClr>
               </a:clrTo>
             </a:clrChange>
+            <a:lum contrast="20000"/>
           </a:blip>
           <a:stretch>
             <a:fillRect/>
